--- a/presentation.pptx
+++ b/presentation.pptx
@@ -8,9 +8,10 @@
     <p:sldId id="256" r:id="rId2"/>
     <p:sldId id="258" r:id="rId3"/>
     <p:sldId id="259" r:id="rId4"/>
-    <p:sldId id="260" r:id="rId5"/>
-    <p:sldId id="266" r:id="rId6"/>
-    <p:sldId id="265" r:id="rId7"/>
+    <p:sldId id="267" r:id="rId5"/>
+    <p:sldId id="260" r:id="rId6"/>
+    <p:sldId id="266" r:id="rId7"/>
+    <p:sldId id="265" r:id="rId8"/>
   </p:sldIdLst>
   <p:sldSz cx="12192000" cy="6858000"/>
   <p:notesSz cx="6858000" cy="9144000"/>
@@ -7242,6 +7243,199 @@
       </p:grpSpPr>
       <p:sp>
         <p:nvSpPr>
+          <p:cNvPr id="4" name="Title 3">
+            <a:extLst>
+              <a:ext uri="{FF2B5EF4-FFF2-40B4-BE49-F238E27FC236}">
+                <a16:creationId xmlns:a16="http://schemas.microsoft.com/office/drawing/2014/main" id="{EEEB28E1-79B3-624C-BF6D-9166EB01E562}"/>
+              </a:ext>
+            </a:extLst>
+          </p:cNvPr>
+          <p:cNvSpPr>
+            <a:spLocks noGrp="1"/>
+          </p:cNvSpPr>
+          <p:nvPr>
+            <p:ph type="title"/>
+          </p:nvPr>
+        </p:nvSpPr>
+        <p:spPr>
+          <a:xfrm>
+            <a:off x="838200" y="81608"/>
+            <a:ext cx="10515600" cy="795109"/>
+          </a:xfrm>
+        </p:spPr>
+        <p:txBody>
+          <a:bodyPr>
+            <a:noAutofit/>
+          </a:bodyPr>
+          <a:lstStyle/>
+          <a:p>
+            <a:pPr algn="ctr"/>
+            <a:r>
+              <a:rPr lang="en-US" sz="4000" dirty="0">
+                <a:latin typeface="+mn-lt"/>
+              </a:rPr>
+              <a:t>Analysis of Customer Reviews </a:t>
+            </a:r>
+          </a:p>
+        </p:txBody>
+      </p:sp>
+      <p:pic>
+        <p:nvPicPr>
+          <p:cNvPr id="10" name="Picture 9">
+            <a:extLst>
+              <a:ext uri="{FF2B5EF4-FFF2-40B4-BE49-F238E27FC236}">
+                <a16:creationId xmlns:a16="http://schemas.microsoft.com/office/drawing/2014/main" id="{B0A5A7A7-ECB9-6940-8C2D-6EBD7929F84E}"/>
+              </a:ext>
+            </a:extLst>
+          </p:cNvPr>
+          <p:cNvPicPr>
+            <a:picLocks noChangeAspect="1"/>
+          </p:cNvPicPr>
+          <p:nvPr/>
+        </p:nvPicPr>
+        <p:blipFill rotWithShape="1">
+          <a:blip r:embed="rId2"/>
+          <a:srcRect t="2811"/>
+          <a:stretch/>
+        </p:blipFill>
+        <p:spPr>
+          <a:xfrm>
+            <a:off x="0" y="3406340"/>
+            <a:ext cx="5740400" cy="2715460"/>
+          </a:xfrm>
+          <a:prstGeom prst="rect">
+            <a:avLst/>
+          </a:prstGeom>
+        </p:spPr>
+      </p:pic>
+      <p:pic>
+        <p:nvPicPr>
+          <p:cNvPr id="12" name="Picture 11">
+            <a:extLst>
+              <a:ext uri="{FF2B5EF4-FFF2-40B4-BE49-F238E27FC236}">
+                <a16:creationId xmlns:a16="http://schemas.microsoft.com/office/drawing/2014/main" id="{2ED30E8E-591D-1E4B-B14F-771685ACEEBC}"/>
+              </a:ext>
+            </a:extLst>
+          </p:cNvPr>
+          <p:cNvPicPr>
+            <a:picLocks noChangeAspect="1"/>
+          </p:cNvPicPr>
+          <p:nvPr/>
+        </p:nvPicPr>
+        <p:blipFill>
+          <a:blip r:embed="rId3"/>
+          <a:stretch>
+            <a:fillRect/>
+          </a:stretch>
+        </p:blipFill>
+        <p:spPr>
+          <a:xfrm>
+            <a:off x="5728346" y="3121718"/>
+            <a:ext cx="6463654" cy="3284705"/>
+          </a:xfrm>
+          <a:prstGeom prst="rect">
+            <a:avLst/>
+          </a:prstGeom>
+        </p:spPr>
+      </p:pic>
+      <p:pic>
+        <p:nvPicPr>
+          <p:cNvPr id="13" name="Picture 12">
+            <a:extLst>
+              <a:ext uri="{FF2B5EF4-FFF2-40B4-BE49-F238E27FC236}">
+                <a16:creationId xmlns:a16="http://schemas.microsoft.com/office/drawing/2014/main" id="{8D68330B-CC4E-4147-9390-D3A9F5EA8120}"/>
+              </a:ext>
+            </a:extLst>
+          </p:cNvPr>
+          <p:cNvPicPr>
+            <a:picLocks noChangeAspect="1"/>
+          </p:cNvPicPr>
+          <p:nvPr/>
+        </p:nvPicPr>
+        <p:blipFill>
+          <a:blip r:embed="rId4"/>
+          <a:stretch>
+            <a:fillRect/>
+          </a:stretch>
+        </p:blipFill>
+        <p:spPr>
+          <a:xfrm>
+            <a:off x="2549903" y="1526036"/>
+            <a:ext cx="6680200" cy="1231900"/>
+          </a:xfrm>
+          <a:prstGeom prst="rect">
+            <a:avLst/>
+          </a:prstGeom>
+        </p:spPr>
+      </p:pic>
+      <p:sp>
+        <p:nvSpPr>
+          <p:cNvPr id="14" name="TextBox 13">
+            <a:extLst>
+              <a:ext uri="{FF2B5EF4-FFF2-40B4-BE49-F238E27FC236}">
+                <a16:creationId xmlns:a16="http://schemas.microsoft.com/office/drawing/2014/main" id="{023AE394-24C1-BF45-8D56-4A8E6D9BE3E5}"/>
+              </a:ext>
+            </a:extLst>
+          </p:cNvPr>
+          <p:cNvSpPr txBox="1"/>
+          <p:nvPr/>
+        </p:nvSpPr>
+        <p:spPr>
+          <a:xfrm>
+            <a:off x="2870200" y="1007390"/>
+            <a:ext cx="6089973" cy="369332"/>
+          </a:xfrm>
+          <a:prstGeom prst="rect">
+            <a:avLst/>
+          </a:prstGeom>
+          <a:noFill/>
+        </p:spPr>
+        <p:txBody>
+          <a:bodyPr wrap="square" rtlCol="0">
+            <a:spAutoFit/>
+          </a:bodyPr>
+          <a:lstStyle/>
+          <a:p>
+            <a:pPr algn="ctr"/>
+            <a:r>
+              <a:rPr lang="en-US" dirty="0"/>
+              <a:t>Correlations</a:t>
+            </a:r>
+          </a:p>
+        </p:txBody>
+      </p:sp>
+    </p:spTree>
+    <p:extLst>
+      <p:ext uri="{BB962C8B-B14F-4D97-AF65-F5344CB8AC3E}">
+        <p14:creationId xmlns:p14="http://schemas.microsoft.com/office/powerpoint/2010/main" val="1142544675"/>
+      </p:ext>
+    </p:extLst>
+  </p:cSld>
+  <p:clrMapOvr>
+    <a:masterClrMapping/>
+  </p:clrMapOvr>
+</p:sld>
+</file>
+
+<file path=ppt/slides/slide5.xml><?xml version="1.0" encoding="utf-8"?>
+<p:sld xmlns:a="http://schemas.openxmlformats.org/drawingml/2006/main" xmlns:r="http://schemas.openxmlformats.org/officeDocument/2006/relationships" xmlns:p="http://schemas.openxmlformats.org/presentationml/2006/main">
+  <p:cSld>
+    <p:spTree>
+      <p:nvGrpSpPr>
+        <p:cNvPr id="1" name=""/>
+        <p:cNvGrpSpPr/>
+        <p:nvPr/>
+      </p:nvGrpSpPr>
+      <p:grpSpPr>
+        <a:xfrm>
+          <a:off x="0" y="0"/>
+          <a:ext cx="0" cy="0"/>
+          <a:chOff x="0" y="0"/>
+          <a:chExt cx="0" cy="0"/>
+        </a:xfrm>
+      </p:grpSpPr>
+      <p:sp>
+        <p:nvSpPr>
           <p:cNvPr id="2" name="Title 1">
             <a:extLst>
               <a:ext uri="{FF2B5EF4-FFF2-40B4-BE49-F238E27FC236}">
@@ -7470,7 +7664,7 @@
 </p:sld>
 </file>
 
-<file path=ppt/slides/slide5.xml><?xml version="1.0" encoding="utf-8"?>
+<file path=ppt/slides/slide6.xml><?xml version="1.0" encoding="utf-8"?>
 <p:sld xmlns:a="http://schemas.openxmlformats.org/drawingml/2006/main" xmlns:r="http://schemas.openxmlformats.org/officeDocument/2006/relationships" xmlns:p="http://schemas.openxmlformats.org/presentationml/2006/main">
   <p:cSld>
     <p:spTree>
@@ -7848,7 +8042,7 @@
 </p:sld>
 </file>
 
-<file path=ppt/slides/slide6.xml><?xml version="1.0" encoding="utf-8"?>
+<file path=ppt/slides/slide7.xml><?xml version="1.0" encoding="utf-8"?>
 <p:sld xmlns:a="http://schemas.openxmlformats.org/drawingml/2006/main" xmlns:r="http://schemas.openxmlformats.org/officeDocument/2006/relationships" xmlns:p="http://schemas.openxmlformats.org/presentationml/2006/main">
   <p:cSld>
     <p:spTree>
